--- a/docs/week-12-string-algorithms/ce205-week-12-string-algorithms.md_word.pptx
+++ b/docs/week-12-string-algorithms/ce205-week-12-string-algorithms.md_word.pptx
@@ -9,6 +9,15 @@
     <p:sldId id="257" r:id="rId3"/>
     <p:sldId id="258" r:id="rId4"/>
     <p:sldId id="259" r:id="rId5"/>
+    <p:sldId id="260" r:id="rId6"/>
+    <p:sldId id="261" r:id="rId7"/>
+    <p:sldId id="262" r:id="rId8"/>
+    <p:sldId id="263" r:id="rId9"/>
+    <p:sldId id="264" r:id="rId10"/>
+    <p:sldId id="265" r:id="rId11"/>
+    <p:sldId id="266" r:id="rId12"/>
+    <p:sldId id="267" r:id="rId13"/>
+    <p:sldId id="268" r:id="rId14"/>
   </p:sldIdLst>
   <p:sldSz cx="9144000" cy="6858000" type="screen4x3"/>
   <p:notesSz cx="6858000" cy="9144000"/>
@@ -3210,6 +3219,400 @@
 </p:sld>
 </file>
 
+<file path=ppt/slides/slide10.xml><?xml version="1.0" encoding="utf-8"?>
+<p:sld xmlns:a="http://schemas.openxmlformats.org/drawingml/2006/main" xmlns:r="http://schemas.openxmlformats.org/officeDocument/2006/relationships" xmlns:p="http://schemas.openxmlformats.org/presentationml/2006/main">
+  <p:cSld>
+    <p:spTree>
+      <p:nvGrpSpPr>
+        <p:cNvPr id="1" name=""/>
+        <p:cNvGrpSpPr/>
+        <p:nvPr/>
+      </p:nvGrpSpPr>
+      <p:grpSpPr>
+        <a:xfrm>
+          <a:off x="0" y="0"/>
+          <a:ext cx="0" cy="0"/>
+          <a:chOff x="0" y="0"/>
+          <a:chExt cx="0" cy="0"/>
+        </a:xfrm>
+      </p:grpSpPr>
+      <p:sp>
+        <p:nvSpPr>
+          <p:cNvPr id="2" name="Title 1"/>
+          <p:cNvSpPr>
+            <a:spLocks noGrp="1"/>
+          </p:cNvSpPr>
+          <p:nvPr>
+            <p:ph type="title"/>
+          </p:nvPr>
+        </p:nvSpPr>
+        <p:spPr/>
+        <p:txBody>
+          <a:bodyPr/>
+          <a:lstStyle/>
+          <a:p>
+            <a:pPr lvl="0" indent="0" marL="0">
+              <a:buNone/>
+            </a:pPr>
+            <a:r>
+              <a:rPr/>
+              <a:t>Strings - Reverse Factor Algorithm (String Search)</a:t>
+            </a:r>
+          </a:p>
+        </p:txBody>
+      </p:sp>
+      <p:sp>
+        <p:nvSpPr>
+          <p:cNvPr id="3" name="Content Placeholder 2"/>
+          <p:cNvSpPr>
+            <a:spLocks noGrp="1"/>
+          </p:cNvSpPr>
+          <p:nvPr>
+            <p:ph idx="1"/>
+          </p:nvPr>
+        </p:nvSpPr>
+        <p:spPr/>
+        <p:txBody>
+          <a:bodyPr/>
+          <a:lstStyle/>
+          <a:p>
+            <a:pPr lvl="0" indent="0" marL="0">
+              <a:spcBef>
+                <a:spcPts val="3000"/>
+              </a:spcBef>
+              <a:buNone/>
+            </a:pPr>
+            <a:r>
+              <a:rPr b="1"/>
+              <a:t>DFA (deterministic finite automaton) Text Search</a:t>
+            </a:r>
+          </a:p>
+          <a:p>
+            <a:pPr lvl="0"/>
+            <a:r>
+              <a:rPr/>
+              <a:t>https://www.geeksforgeeks.org/finite-automata-algorithm-for-pattern-searching/</a:t>
+            </a:r>
+          </a:p>
+        </p:txBody>
+      </p:sp>
+    </p:spTree>
+  </p:cSld>
+</p:sld>
+</file>
+
+<file path=ppt/slides/slide11.xml><?xml version="1.0" encoding="utf-8"?>
+<p:sld xmlns:a="http://schemas.openxmlformats.org/drawingml/2006/main" xmlns:r="http://schemas.openxmlformats.org/officeDocument/2006/relationships" xmlns:p="http://schemas.openxmlformats.org/presentationml/2006/main">
+  <p:cSld>
+    <p:spTree>
+      <p:nvGrpSpPr>
+        <p:cNvPr id="1" name=""/>
+        <p:cNvGrpSpPr/>
+        <p:nvPr/>
+      </p:nvGrpSpPr>
+      <p:grpSpPr>
+        <a:xfrm>
+          <a:off x="0" y="0"/>
+          <a:ext cx="0" cy="0"/>
+          <a:chOff x="0" y="0"/>
+          <a:chExt cx="0" cy="0"/>
+        </a:xfrm>
+      </p:grpSpPr>
+      <p:sp>
+        <p:nvSpPr>
+          <p:cNvPr id="2" name="Title 1"/>
+          <p:cNvSpPr>
+            <a:spLocks noGrp="1"/>
+          </p:cNvSpPr>
+          <p:nvPr>
+            <p:ph type="title"/>
+          </p:nvPr>
+        </p:nvSpPr>
+        <p:spPr/>
+        <p:txBody>
+          <a:bodyPr/>
+          <a:lstStyle/>
+          <a:p>
+            <a:pPr lvl="0" indent="0" marL="0">
+              <a:buNone/>
+            </a:pPr>
+            <a:r>
+              <a:rPr/>
+              <a:t>Tries</a:t>
+            </a:r>
+          </a:p>
+        </p:txBody>
+      </p:sp>
+      <p:sp>
+        <p:nvSpPr>
+          <p:cNvPr id="3" name="Content Placeholder 2"/>
+          <p:cNvSpPr>
+            <a:spLocks noGrp="1"/>
+          </p:cNvSpPr>
+          <p:nvPr>
+            <p:ph idx="1"/>
+          </p:nvPr>
+        </p:nvSpPr>
+        <p:spPr/>
+        <p:txBody>
+          <a:bodyPr/>
+          <a:lstStyle/>
+          <a:p>
+            <a:pPr lvl="0" indent="0" marL="0">
+              <a:spcBef>
+                <a:spcPts val="3000"/>
+              </a:spcBef>
+              <a:buNone/>
+            </a:pPr>
+            <a:r>
+              <a:rPr b="1"/>
+              <a:t>Patricia Tree (Radix Tree)</a:t>
+            </a:r>
+          </a:p>
+          <a:p>
+            <a:pPr lvl="0"/>
+            <a:r>
+              <a:rPr/>
+              <a:t>https://en.wikipedia.org/wiki/Radix_tree</a:t>
+            </a:r>
+          </a:p>
+          <a:p>
+            <a:pPr lvl="0"/>
+            <a:r>
+              <a:rPr/>
+              <a:t>http://www.btechsmartclass.com/data_structures/tries.html</a:t>
+            </a:r>
+          </a:p>
+          <a:p>
+            <a:pPr lvl="0"/>
+            <a:r>
+              <a:rPr/>
+              <a:t>https://www.geeksforgeeks.org/implementing-patricia-trie-in-java/</a:t>
+            </a:r>
+          </a:p>
+        </p:txBody>
+      </p:sp>
+    </p:spTree>
+  </p:cSld>
+</p:sld>
+</file>
+
+<file path=ppt/slides/slide12.xml><?xml version="1.0" encoding="utf-8"?>
+<p:sld xmlns:a="http://schemas.openxmlformats.org/drawingml/2006/main" xmlns:r="http://schemas.openxmlformats.org/officeDocument/2006/relationships" xmlns:p="http://schemas.openxmlformats.org/presentationml/2006/main">
+  <p:cSld>
+    <p:spTree>
+      <p:nvGrpSpPr>
+        <p:cNvPr id="1" name=""/>
+        <p:cNvGrpSpPr/>
+        <p:nvPr/>
+      </p:nvGrpSpPr>
+      <p:grpSpPr>
+        <a:xfrm>
+          <a:off x="0" y="0"/>
+          <a:ext cx="0" cy="0"/>
+          <a:chOff x="0" y="0"/>
+          <a:chExt cx="0" cy="0"/>
+        </a:xfrm>
+      </p:grpSpPr>
+      <p:sp>
+        <p:nvSpPr>
+          <p:cNvPr id="2" name="Title 1"/>
+          <p:cNvSpPr>
+            <a:spLocks noGrp="1"/>
+          </p:cNvSpPr>
+          <p:nvPr>
+            <p:ph type="title"/>
+          </p:nvPr>
+        </p:nvSpPr>
+        <p:spPr/>
+        <p:txBody>
+          <a:bodyPr/>
+          <a:lstStyle/>
+          <a:p>
+            <a:pPr lvl="0" indent="0" marL="0">
+              <a:buNone/>
+            </a:pPr>
+            <a:r>
+              <a:rPr/>
+              <a:t>Data Structures for Disjoint Sets</a:t>
+            </a:r>
+          </a:p>
+        </p:txBody>
+      </p:sp>
+      <p:sp>
+        <p:nvSpPr>
+          <p:cNvPr id="3" name="Content Placeholder 2"/>
+          <p:cNvSpPr>
+            <a:spLocks noGrp="1"/>
+          </p:cNvSpPr>
+          <p:nvPr>
+            <p:ph idx="1"/>
+          </p:nvPr>
+        </p:nvSpPr>
+        <p:spPr/>
+        <p:txBody>
+          <a:bodyPr/>
+          <a:lstStyle/>
+          <a:p>
+            <a:pPr lvl="0"/>
+            <a:r>
+              <a:rPr/>
+              <a:t>https://ucoruh.github.io/ce100-algorithms-and-programming-II/week-10/ce100-week-10-graphs/?h=disjoint#disjoint-set-operations</a:t>
+            </a:r>
+          </a:p>
+          <a:p>
+            <a:pPr lvl="0"/>
+            <a:r>
+              <a:rPr/>
+              <a:t>Disjoint-set operations</a:t>
+            </a:r>
+          </a:p>
+          <a:p>
+            <a:pPr lvl="0"/>
+            <a:r>
+              <a:rPr/>
+              <a:t>Linked-list representation of disjoint sets</a:t>
+            </a:r>
+          </a:p>
+          <a:p>
+            <a:pPr lvl="0"/>
+            <a:r>
+              <a:rPr/>
+              <a:t>Disjoint-set forests</a:t>
+            </a:r>
+          </a:p>
+          <a:p>
+            <a:pPr lvl="0"/>
+            <a:r>
+              <a:rPr/>
+              <a:t>Analysis of union by rank with path compression</a:t>
+            </a:r>
+          </a:p>
+          <a:p>
+            <a:pPr lvl="0"/>
+            <a:r>
+              <a:rPr/>
+              <a:t>https://www.geeksforgeeks.org/disjoint-set-data-structures/</a:t>
+            </a:r>
+          </a:p>
+          <a:p>
+            <a:pPr lvl="0"/>
+            <a:r>
+              <a:rPr/>
+              <a:t>https://www.javatpoint.com/disjoint-set-data-structure</a:t>
+            </a:r>
+          </a:p>
+        </p:txBody>
+      </p:sp>
+    </p:spTree>
+  </p:cSld>
+</p:sld>
+</file>
+
+<file path=ppt/slides/slide13.xml><?xml version="1.0" encoding="utf-8"?>
+<p:sld xmlns:a="http://schemas.openxmlformats.org/drawingml/2006/main" xmlns:r="http://schemas.openxmlformats.org/officeDocument/2006/relationships" xmlns:p="http://schemas.openxmlformats.org/presentationml/2006/main">
+  <p:cSld>
+    <p:spTree>
+      <p:nvGrpSpPr>
+        <p:cNvPr id="1" name=""/>
+        <p:cNvGrpSpPr/>
+        <p:nvPr/>
+      </p:nvGrpSpPr>
+      <p:grpSpPr>
+        <a:xfrm>
+          <a:off x="0" y="0"/>
+          <a:ext cx="0" cy="0"/>
+          <a:chOff x="0" y="0"/>
+          <a:chExt cx="0" cy="0"/>
+        </a:xfrm>
+      </p:grpSpPr>
+      <mc:AlternateContent xmlns:mc="http://schemas.openxmlformats.org/markup-compatibility/2006">
+        <mc:Choice xmlns:a14="http://schemas.microsoft.com/office/drawing/2010/main" Requires="a14">
+          <p:sp>
+            <p:nvSpPr>
+              <p:cNvPr id="3" name="Content Placeholder 2"/>
+              <p:cNvSpPr>
+                <a:spLocks noGrp="1"/>
+              </p:cNvSpPr>
+              <p:nvPr>
+                <p:ph idx="1"/>
+              </p:nvPr>
+            </p:nvSpPr>
+            <p:spPr/>
+            <p:txBody>
+              <a:bodyPr/>
+              <a:lstStyle/>
+              <a:p>
+                <a:pPr lvl="0" indent="0" marL="0">
+                  <a:buNone/>
+                </a:pPr>
+                <a14:m>
+                  <m:oMathPara xmlns:m="http://schemas.openxmlformats.org/officeDocument/2006/math">
+                    <m:oMathParaPr>
+                      <m:jc m:val="center"/>
+                    </m:oMathParaPr>
+                    <m:oMath>
+                      <m:r>
+                        <m:t>E</m:t>
+                      </m:r>
+                      <m:r>
+                        <m:t>n</m:t>
+                      </m:r>
+                      <m:r>
+                        <m:t>d</m:t>
+                      </m:r>
+                      <m:r>
+                        <m:rPr>
+                          <m:sty m:val="p"/>
+                        </m:rPr>
+                        <m:t>−</m:t>
+                      </m:r>
+                      <m:r>
+                        <m:t>O</m:t>
+                      </m:r>
+                      <m:r>
+                        <m:t>f</m:t>
+                      </m:r>
+                      <m:r>
+                        <m:rPr>
+                          <m:sty m:val="p"/>
+                        </m:rPr>
+                        <m:t>−</m:t>
+                      </m:r>
+                      <m:r>
+                        <m:t>W</m:t>
+                      </m:r>
+                      <m:r>
+                        <m:t>e</m:t>
+                      </m:r>
+                      <m:r>
+                        <m:t>e</m:t>
+                      </m:r>
+                      <m:r>
+                        <m:t>k</m:t>
+                      </m:r>
+                      <m:r>
+                        <m:rPr>
+                          <m:sty m:val="p"/>
+                        </m:rPr>
+                        <m:t>−</m:t>
+                      </m:r>
+                      <m:r>
+                        <m:t>12</m:t>
+                      </m:r>
+                    </m:oMath>
+                  </m:oMathPara>
+                </a14:m>
+              </a:p>
+            </p:txBody>
+          </p:sp>
+        </mc:Choice>
+      </mc:AlternateContent>
+    </p:spTree>
+  </p:cSld>
+</p:sld>
+</file>
+
 <file path=ppt/slides/slide2.xml><?xml version="1.0" encoding="utf-8"?>
 <p:sld xmlns:a="http://schemas.openxmlformats.org/drawingml/2006/main" xmlns:r="http://schemas.openxmlformats.org/officeDocument/2006/relationships" xmlns:p="http://schemas.openxmlformats.org/presentationml/2006/main">
   <p:cSld>
@@ -3403,6 +3806,558 @@
                 <a:hlinkClick r:id="rId4"/>
               </a:rPr>
               <a:t>PPTX</a:t>
+            </a:r>
+          </a:p>
+        </p:txBody>
+      </p:sp>
+    </p:spTree>
+  </p:cSld>
+</p:sld>
+</file>
+
+<file path=ppt/slides/slide5.xml><?xml version="1.0" encoding="utf-8"?>
+<p:sld xmlns:a="http://schemas.openxmlformats.org/drawingml/2006/main" xmlns:r="http://schemas.openxmlformats.org/officeDocument/2006/relationships" xmlns:p="http://schemas.openxmlformats.org/presentationml/2006/main">
+  <p:cSld>
+    <p:spTree>
+      <p:nvGrpSpPr>
+        <p:cNvPr id="1" name=""/>
+        <p:cNvGrpSpPr/>
+        <p:nvPr/>
+      </p:nvGrpSpPr>
+      <p:grpSpPr>
+        <a:xfrm>
+          <a:off x="0" y="0"/>
+          <a:ext cx="0" cy="0"/>
+          <a:chOff x="0" y="0"/>
+          <a:chExt cx="0" cy="0"/>
+        </a:xfrm>
+      </p:grpSpPr>
+      <p:sp>
+        <p:nvSpPr>
+          <p:cNvPr id="2" name="Title 1"/>
+          <p:cNvSpPr>
+            <a:spLocks noGrp="1"/>
+          </p:cNvSpPr>
+          <p:nvPr>
+            <p:ph type="title"/>
+          </p:nvPr>
+        </p:nvSpPr>
+        <p:spPr/>
+        <p:txBody>
+          <a:bodyPr/>
+          <a:lstStyle/>
+          <a:p>
+            <a:pPr lvl="0" indent="0" marL="0">
+              <a:buNone/>
+            </a:pPr>
+            <a:r>
+              <a:rPr/>
+              <a:t>Outline</a:t>
+            </a:r>
+          </a:p>
+        </p:txBody>
+      </p:sp>
+      <p:sp>
+        <p:nvSpPr>
+          <p:cNvPr id="3" name="Content Placeholder 2"/>
+          <p:cNvSpPr>
+            <a:spLocks noGrp="1"/>
+          </p:cNvSpPr>
+          <p:nvPr>
+            <p:ph idx="1"/>
+          </p:nvPr>
+        </p:nvSpPr>
+        <p:spPr/>
+        <p:txBody>
+          <a:bodyPr/>
+          <a:lstStyle/>
+          <a:p>
+            <a:pPr lvl="0"/>
+            <a:r>
+              <a:rPr/>
+              <a:t>Strings</a:t>
+            </a:r>
+          </a:p>
+          <a:p>
+            <a:pPr lvl="1"/>
+            <a:r>
+              <a:rPr/>
+              <a:t>Reverse Factor Algorithm (String Search)</a:t>
+            </a:r>
+          </a:p>
+          <a:p>
+            <a:pPr lvl="2"/>
+            <a:r>
+              <a:rPr/>
+              <a:t>Knuth-Morris-Pratt Algorithm</a:t>
+            </a:r>
+          </a:p>
+          <a:p>
+            <a:pPr lvl="2"/>
+            <a:r>
+              <a:rPr/>
+              <a:t>Horspool Algorithm</a:t>
+            </a:r>
+          </a:p>
+          <a:p>
+            <a:pPr lvl="2"/>
+            <a:r>
+              <a:rPr/>
+              <a:t>Boyer-Moore Algorithm</a:t>
+            </a:r>
+          </a:p>
+          <a:p>
+            <a:pPr lvl="2"/>
+            <a:r>
+              <a:rPr/>
+              <a:t>Brute-Force / Linear Text Search</a:t>
+            </a:r>
+          </a:p>
+          <a:p>
+            <a:pPr lvl="2"/>
+            <a:r>
+              <a:rPr/>
+              <a:t>DFA Text Search</a:t>
+            </a:r>
+          </a:p>
+          <a:p>
+            <a:pPr lvl="1"/>
+            <a:r>
+              <a:rPr/>
+              <a:t>Tries</a:t>
+            </a:r>
+          </a:p>
+          <a:p>
+            <a:pPr lvl="2"/>
+            <a:r>
+              <a:rPr/>
+              <a:t>Patricia Tree (Radix Tree)</a:t>
+            </a:r>
+          </a:p>
+          <a:p>
+            <a:pPr lvl="1"/>
+            <a:r>
+              <a:rPr/>
+              <a:t>Data Structures for Disjoint Sets</a:t>
+            </a:r>
+          </a:p>
+          <a:p>
+            <a:pPr lvl="2"/>
+            <a:r>
+              <a:rPr/>
+              <a:t>Disjoint-set operations</a:t>
+            </a:r>
+          </a:p>
+          <a:p>
+            <a:pPr lvl="2"/>
+            <a:r>
+              <a:rPr/>
+              <a:t>Linked-list representation of disjoint sets</a:t>
+            </a:r>
+          </a:p>
+          <a:p>
+            <a:pPr lvl="2"/>
+            <a:r>
+              <a:rPr/>
+              <a:t>Disjoint-set forests</a:t>
+            </a:r>
+          </a:p>
+          <a:p>
+            <a:pPr lvl="2"/>
+            <a:r>
+              <a:rPr/>
+              <a:t>Analysis of union by rank with path compression</a:t>
+            </a:r>
+          </a:p>
+        </p:txBody>
+      </p:sp>
+    </p:spTree>
+  </p:cSld>
+</p:sld>
+</file>
+
+<file path=ppt/slides/slide6.xml><?xml version="1.0" encoding="utf-8"?>
+<p:sld xmlns:a="http://schemas.openxmlformats.org/drawingml/2006/main" xmlns:r="http://schemas.openxmlformats.org/officeDocument/2006/relationships" xmlns:p="http://schemas.openxmlformats.org/presentationml/2006/main">
+  <p:cSld>
+    <p:spTree>
+      <p:nvGrpSpPr>
+        <p:cNvPr id="1" name=""/>
+        <p:cNvGrpSpPr/>
+        <p:nvPr/>
+      </p:nvGrpSpPr>
+      <p:grpSpPr>
+        <a:xfrm>
+          <a:off x="0" y="0"/>
+          <a:ext cx="0" cy="0"/>
+          <a:chOff x="0" y="0"/>
+          <a:chExt cx="0" cy="0"/>
+        </a:xfrm>
+      </p:grpSpPr>
+      <p:sp>
+        <p:nvSpPr>
+          <p:cNvPr id="2" name="Title 1"/>
+          <p:cNvSpPr>
+            <a:spLocks noGrp="1"/>
+          </p:cNvSpPr>
+          <p:nvPr>
+            <p:ph type="title"/>
+          </p:nvPr>
+        </p:nvSpPr>
+        <p:spPr/>
+        <p:txBody>
+          <a:bodyPr/>
+          <a:lstStyle/>
+          <a:p>
+            <a:pPr lvl="0" indent="0" marL="0">
+              <a:buNone/>
+            </a:pPr>
+            <a:r>
+              <a:rPr/>
+              <a:t>Strings - Reverse Factor Algorithm (String Search)</a:t>
+            </a:r>
+          </a:p>
+        </p:txBody>
+      </p:sp>
+      <p:sp>
+        <p:nvSpPr>
+          <p:cNvPr id="3" name="Content Placeholder 2"/>
+          <p:cNvSpPr>
+            <a:spLocks noGrp="1"/>
+          </p:cNvSpPr>
+          <p:nvPr>
+            <p:ph idx="1"/>
+          </p:nvPr>
+        </p:nvSpPr>
+        <p:spPr/>
+        <p:txBody>
+          <a:bodyPr/>
+          <a:lstStyle/>
+          <a:p>
+            <a:pPr lvl="0" indent="0" marL="0">
+              <a:spcBef>
+                <a:spcPts val="3000"/>
+              </a:spcBef>
+              <a:buNone/>
+            </a:pPr>
+            <a:r>
+              <a:rPr b="1"/>
+              <a:t>Knuth-Morris-Pratt Algorithm</a:t>
+            </a:r>
+          </a:p>
+          <a:p>
+            <a:pPr lvl="0"/>
+            <a:r>
+              <a:rPr/>
+              <a:t>https://en.wikipedia.org/wiki/Knuth%E2%80%93Morris%E2%80%93Pratt_algorithm</a:t>
+            </a:r>
+          </a:p>
+          <a:p>
+            <a:pPr lvl="0"/>
+            <a:r>
+              <a:rPr/>
+              <a:t>https://www.geeksforgeeks.org/kmp-algorithm-for-pattern-searching/</a:t>
+            </a:r>
+          </a:p>
+          <a:p>
+            <a:pPr lvl="0"/>
+            <a:r>
+              <a:rPr/>
+              <a:t>https://www.javatpoint.com/daa-knuth-morris-pratt-algorithm</a:t>
+            </a:r>
+          </a:p>
+          <a:p>
+            <a:pPr lvl="0"/>
+            <a:r>
+              <a:rPr/>
+              <a:t>https://www.educative.io/answers/what-is-the-knuth-morris-pratt-algorithm</a:t>
+            </a:r>
+          </a:p>
+          <a:p>
+            <a:pPr lvl="0"/>
+            <a:r>
+              <a:rPr/>
+              <a:t>http://www.btechsmartclass.com/data_structures/knuth-morris-pratt-algorithm.html</a:t>
+            </a:r>
+          </a:p>
+          <a:p>
+            <a:pPr lvl="0"/>
+            <a:r>
+              <a:rPr/>
+              <a:t>https://www-igm.univ-mlv.fr/~lecroq/string/node32.html#SECTION00320</a:t>
+            </a:r>
+          </a:p>
+          <a:p>
+            <a:pPr lvl="0"/>
+            <a:r>
+              <a:rPr/>
+              <a:t>https://algs4.cs.princeton.edu/lectures/keynote/53SubstringSearch.pdf</a:t>
+            </a:r>
+          </a:p>
+        </p:txBody>
+      </p:sp>
+    </p:spTree>
+  </p:cSld>
+</p:sld>
+</file>
+
+<file path=ppt/slides/slide7.xml><?xml version="1.0" encoding="utf-8"?>
+<p:sld xmlns:a="http://schemas.openxmlformats.org/drawingml/2006/main" xmlns:r="http://schemas.openxmlformats.org/officeDocument/2006/relationships" xmlns:p="http://schemas.openxmlformats.org/presentationml/2006/main">
+  <p:cSld>
+    <p:spTree>
+      <p:nvGrpSpPr>
+        <p:cNvPr id="1" name=""/>
+        <p:cNvGrpSpPr/>
+        <p:nvPr/>
+      </p:nvGrpSpPr>
+      <p:grpSpPr>
+        <a:xfrm>
+          <a:off x="0" y="0"/>
+          <a:ext cx="0" cy="0"/>
+          <a:chOff x="0" y="0"/>
+          <a:chExt cx="0" cy="0"/>
+        </a:xfrm>
+      </p:grpSpPr>
+      <p:sp>
+        <p:nvSpPr>
+          <p:cNvPr id="2" name="Title 1"/>
+          <p:cNvSpPr>
+            <a:spLocks noGrp="1"/>
+          </p:cNvSpPr>
+          <p:nvPr>
+            <p:ph type="title"/>
+          </p:nvPr>
+        </p:nvSpPr>
+        <p:spPr/>
+        <p:txBody>
+          <a:bodyPr/>
+          <a:lstStyle/>
+          <a:p>
+            <a:pPr lvl="0" indent="0" marL="0">
+              <a:buNone/>
+            </a:pPr>
+            <a:r>
+              <a:rPr/>
+              <a:t>Strings - Reverse Factor Algorithm (String Search)</a:t>
+            </a:r>
+          </a:p>
+        </p:txBody>
+      </p:sp>
+      <p:sp>
+        <p:nvSpPr>
+          <p:cNvPr id="3" name="Content Placeholder 2"/>
+          <p:cNvSpPr>
+            <a:spLocks noGrp="1"/>
+          </p:cNvSpPr>
+          <p:nvPr>
+            <p:ph idx="1"/>
+          </p:nvPr>
+        </p:nvSpPr>
+        <p:spPr/>
+        <p:txBody>
+          <a:bodyPr/>
+          <a:lstStyle/>
+          <a:p>
+            <a:pPr lvl="0" indent="0" marL="0">
+              <a:spcBef>
+                <a:spcPts val="3000"/>
+              </a:spcBef>
+              <a:buNone/>
+            </a:pPr>
+            <a:r>
+              <a:rPr b="1"/>
+              <a:t>Horspool Algorithm</a:t>
+            </a:r>
+          </a:p>
+          <a:p>
+            <a:pPr lvl="0"/>
+            <a:r>
+              <a:rPr/>
+              <a:t>https://en.wikipedia.org/wiki/Boyer%E2%80%93Moore%E2%80%93Horspool_algorithm</a:t>
+            </a:r>
+          </a:p>
+          <a:p>
+            <a:pPr lvl="0"/>
+            <a:r>
+              <a:rPr/>
+              <a:t>https://www.inf.hs-flensburg.de/lang/algorithmen/pattern/horsen.htm</a:t>
+            </a:r>
+          </a:p>
+          <a:p>
+            <a:pPr lvl="0"/>
+            <a:r>
+              <a:rPr/>
+              <a:t>https://www-igm.univ-mlv.fr/~lecroq/string/node18.html</a:t>
+            </a:r>
+          </a:p>
+        </p:txBody>
+      </p:sp>
+    </p:spTree>
+  </p:cSld>
+</p:sld>
+</file>
+
+<file path=ppt/slides/slide8.xml><?xml version="1.0" encoding="utf-8"?>
+<p:sld xmlns:a="http://schemas.openxmlformats.org/drawingml/2006/main" xmlns:r="http://schemas.openxmlformats.org/officeDocument/2006/relationships" xmlns:p="http://schemas.openxmlformats.org/presentationml/2006/main">
+  <p:cSld>
+    <p:spTree>
+      <p:nvGrpSpPr>
+        <p:cNvPr id="1" name=""/>
+        <p:cNvGrpSpPr/>
+        <p:nvPr/>
+      </p:nvGrpSpPr>
+      <p:grpSpPr>
+        <a:xfrm>
+          <a:off x="0" y="0"/>
+          <a:ext cx="0" cy="0"/>
+          <a:chOff x="0" y="0"/>
+          <a:chExt cx="0" cy="0"/>
+        </a:xfrm>
+      </p:grpSpPr>
+      <p:sp>
+        <p:nvSpPr>
+          <p:cNvPr id="2" name="Title 1"/>
+          <p:cNvSpPr>
+            <a:spLocks noGrp="1"/>
+          </p:cNvSpPr>
+          <p:nvPr>
+            <p:ph type="title"/>
+          </p:nvPr>
+        </p:nvSpPr>
+        <p:spPr/>
+        <p:txBody>
+          <a:bodyPr/>
+          <a:lstStyle/>
+          <a:p>
+            <a:pPr lvl="0" indent="0" marL="0">
+              <a:buNone/>
+            </a:pPr>
+            <a:r>
+              <a:rPr/>
+              <a:t>Strings - Reverse Factor Algorithm (String Search)</a:t>
+            </a:r>
+          </a:p>
+        </p:txBody>
+      </p:sp>
+      <p:sp>
+        <p:nvSpPr>
+          <p:cNvPr id="3" name="Content Placeholder 2"/>
+          <p:cNvSpPr>
+            <a:spLocks noGrp="1"/>
+          </p:cNvSpPr>
+          <p:nvPr>
+            <p:ph idx="1"/>
+          </p:nvPr>
+        </p:nvSpPr>
+        <p:spPr/>
+        <p:txBody>
+          <a:bodyPr/>
+          <a:lstStyle/>
+          <a:p>
+            <a:pPr lvl="0" indent="0" marL="0">
+              <a:spcBef>
+                <a:spcPts val="3000"/>
+              </a:spcBef>
+              <a:buNone/>
+            </a:pPr>
+            <a:r>
+              <a:rPr b="1"/>
+              <a:t>Boyer-Moore Algorithm</a:t>
+            </a:r>
+          </a:p>
+          <a:p>
+            <a:pPr lvl="0"/>
+            <a:r>
+              <a:rPr/>
+              <a:t>https://en.wikipedia.org/wiki/Boyer%E2%80%93Moore_string-search_algorithm</a:t>
+            </a:r>
+          </a:p>
+          <a:p>
+            <a:pPr lvl="0"/>
+            <a:r>
+              <a:rPr/>
+              <a:t>https://www.geeksforgeeks.org/boyer-moore-algorithm-for-pattern-searching/?ref=gcse</a:t>
+            </a:r>
+          </a:p>
+        </p:txBody>
+      </p:sp>
+    </p:spTree>
+  </p:cSld>
+</p:sld>
+</file>
+
+<file path=ppt/slides/slide9.xml><?xml version="1.0" encoding="utf-8"?>
+<p:sld xmlns:a="http://schemas.openxmlformats.org/drawingml/2006/main" xmlns:r="http://schemas.openxmlformats.org/officeDocument/2006/relationships" xmlns:p="http://schemas.openxmlformats.org/presentationml/2006/main">
+  <p:cSld>
+    <p:spTree>
+      <p:nvGrpSpPr>
+        <p:cNvPr id="1" name=""/>
+        <p:cNvGrpSpPr/>
+        <p:nvPr/>
+      </p:nvGrpSpPr>
+      <p:grpSpPr>
+        <a:xfrm>
+          <a:off x="0" y="0"/>
+          <a:ext cx="0" cy="0"/>
+          <a:chOff x="0" y="0"/>
+          <a:chExt cx="0" cy="0"/>
+        </a:xfrm>
+      </p:grpSpPr>
+      <p:sp>
+        <p:nvSpPr>
+          <p:cNvPr id="2" name="Title 1"/>
+          <p:cNvSpPr>
+            <a:spLocks noGrp="1"/>
+          </p:cNvSpPr>
+          <p:nvPr>
+            <p:ph type="title"/>
+          </p:nvPr>
+        </p:nvSpPr>
+        <p:spPr/>
+        <p:txBody>
+          <a:bodyPr/>
+          <a:lstStyle/>
+          <a:p>
+            <a:pPr lvl="0" indent="0" marL="0">
+              <a:buNone/>
+            </a:pPr>
+            <a:r>
+              <a:rPr/>
+              <a:t>Strings - Reverse Factor Algorithm (String Search)</a:t>
+            </a:r>
+          </a:p>
+        </p:txBody>
+      </p:sp>
+      <p:sp>
+        <p:nvSpPr>
+          <p:cNvPr id="3" name="Content Placeholder 2"/>
+          <p:cNvSpPr>
+            <a:spLocks noGrp="1"/>
+          </p:cNvSpPr>
+          <p:nvPr>
+            <p:ph idx="1"/>
+          </p:nvPr>
+        </p:nvSpPr>
+        <p:spPr/>
+        <p:txBody>
+          <a:bodyPr/>
+          <a:lstStyle/>
+          <a:p>
+            <a:pPr lvl="0" indent="0" marL="0">
+              <a:spcBef>
+                <a:spcPts val="3000"/>
+              </a:spcBef>
+              <a:buNone/>
+            </a:pPr>
+            <a:r>
+              <a:rPr b="1"/>
+              <a:t>Brute-Force / Linear Text Search</a:t>
+            </a:r>
+          </a:p>
+          <a:p>
+            <a:pPr lvl="0"/>
+            <a:r>
+              <a:rPr/>
+              <a:t>https://algs4.cs.princeton.edu/lectures/keynote/53SubstringSearch.pdf</a:t>
             </a:r>
           </a:p>
         </p:txBody>
